--- a/doc/操作系统答辩.pptx
+++ b/doc/操作系统答辩.pptx
@@ -1105,6 +1105,13 @@
         </dgm:presLayoutVars>
       </dgm:prSet>
       <dgm:spPr/>
+      <dgm:t>
+        <a:bodyPr/>
+        <a:lstStyle/>
+        <a:p>
+          <a:endParaRPr lang="zh-CN" altLang="en-US"/>
+        </a:p>
+      </dgm:t>
     </dgm:pt>
     <dgm:pt modelId="{B28629D7-067B-4621-90D9-EB34072D39F2}" type="pres">
       <dgm:prSet presAssocID="{C15A0151-D92B-47D1-BAF3-640771A0F10D}" presName="root1" presStyleCnt="0"/>
@@ -1117,6 +1124,13 @@
         </dgm:presLayoutVars>
       </dgm:prSet>
       <dgm:spPr/>
+      <dgm:t>
+        <a:bodyPr/>
+        <a:lstStyle/>
+        <a:p>
+          <a:endParaRPr lang="zh-CN" altLang="en-US"/>
+        </a:p>
+      </dgm:t>
     </dgm:pt>
     <dgm:pt modelId="{FA94F1FF-E1B0-4954-80BA-CD5A793E488A}" type="pres">
       <dgm:prSet presAssocID="{C15A0151-D92B-47D1-BAF3-640771A0F10D}" presName="level2hierChild" presStyleCnt="0"/>
@@ -1125,10 +1139,24 @@
     <dgm:pt modelId="{328FB200-3A31-440A-A273-0AC131C99077}" type="pres">
       <dgm:prSet presAssocID="{C772E889-D110-47EA-B330-75F99512FE32}" presName="conn2-1" presStyleLbl="parChTrans1D2" presStyleIdx="0" presStyleCnt="4"/>
       <dgm:spPr/>
+      <dgm:t>
+        <a:bodyPr/>
+        <a:lstStyle/>
+        <a:p>
+          <a:endParaRPr lang="zh-CN" altLang="en-US"/>
+        </a:p>
+      </dgm:t>
     </dgm:pt>
     <dgm:pt modelId="{9F049485-A926-44E8-B70A-A7AE0DBBA044}" type="pres">
       <dgm:prSet presAssocID="{C772E889-D110-47EA-B330-75F99512FE32}" presName="connTx" presStyleLbl="parChTrans1D2" presStyleIdx="0" presStyleCnt="4"/>
       <dgm:spPr/>
+      <dgm:t>
+        <a:bodyPr/>
+        <a:lstStyle/>
+        <a:p>
+          <a:endParaRPr lang="zh-CN" altLang="en-US"/>
+        </a:p>
+      </dgm:t>
     </dgm:pt>
     <dgm:pt modelId="{DDBCE0C4-4E4E-4CA8-BB3A-7F9F9AA78F61}" type="pres">
       <dgm:prSet presAssocID="{F30C1761-F71D-4774-B2E3-C0CD1F88B5DE}" presName="root2" presStyleCnt="0"/>
@@ -1141,6 +1169,13 @@
         </dgm:presLayoutVars>
       </dgm:prSet>
       <dgm:spPr/>
+      <dgm:t>
+        <a:bodyPr/>
+        <a:lstStyle/>
+        <a:p>
+          <a:endParaRPr lang="zh-CN" altLang="en-US"/>
+        </a:p>
+      </dgm:t>
     </dgm:pt>
     <dgm:pt modelId="{4DFA03F4-86C1-4B4E-920C-656080AECF08}" type="pres">
       <dgm:prSet presAssocID="{F30C1761-F71D-4774-B2E3-C0CD1F88B5DE}" presName="level3hierChild" presStyleCnt="0"/>
@@ -1149,10 +1184,24 @@
     <dgm:pt modelId="{71F2D20D-CFC0-4C68-B706-18E2128D8BEE}" type="pres">
       <dgm:prSet presAssocID="{1A9D1046-CDF3-4F8C-BBA2-967411C62B28}" presName="conn2-1" presStyleLbl="parChTrans1D2" presStyleIdx="1" presStyleCnt="4"/>
       <dgm:spPr/>
+      <dgm:t>
+        <a:bodyPr/>
+        <a:lstStyle/>
+        <a:p>
+          <a:endParaRPr lang="zh-CN" altLang="en-US"/>
+        </a:p>
+      </dgm:t>
     </dgm:pt>
     <dgm:pt modelId="{04417AB5-2670-4264-983C-8D9634D9DD1D}" type="pres">
       <dgm:prSet presAssocID="{1A9D1046-CDF3-4F8C-BBA2-967411C62B28}" presName="connTx" presStyleLbl="parChTrans1D2" presStyleIdx="1" presStyleCnt="4"/>
       <dgm:spPr/>
+      <dgm:t>
+        <a:bodyPr/>
+        <a:lstStyle/>
+        <a:p>
+          <a:endParaRPr lang="zh-CN" altLang="en-US"/>
+        </a:p>
+      </dgm:t>
     </dgm:pt>
     <dgm:pt modelId="{57F5A072-F9BB-4CC0-8701-2E8CB8C1FE7A}" type="pres">
       <dgm:prSet presAssocID="{B2397E1D-B6B4-4189-A8CD-A3DE7A366039}" presName="root2" presStyleCnt="0"/>
@@ -1165,6 +1214,13 @@
         </dgm:presLayoutVars>
       </dgm:prSet>
       <dgm:spPr/>
+      <dgm:t>
+        <a:bodyPr/>
+        <a:lstStyle/>
+        <a:p>
+          <a:endParaRPr lang="zh-CN" altLang="en-US"/>
+        </a:p>
+      </dgm:t>
     </dgm:pt>
     <dgm:pt modelId="{148C3787-CDF4-417B-BDDE-403EE58E28E0}" type="pres">
       <dgm:prSet presAssocID="{B2397E1D-B6B4-4189-A8CD-A3DE7A366039}" presName="level3hierChild" presStyleCnt="0"/>
@@ -1173,10 +1229,24 @@
     <dgm:pt modelId="{42510486-ABB1-43E6-BDBE-8A2CD7F6A33F}" type="pres">
       <dgm:prSet presAssocID="{73491522-A639-4FF6-906B-19057BFFA86E}" presName="conn2-1" presStyleLbl="parChTrans1D2" presStyleIdx="2" presStyleCnt="4"/>
       <dgm:spPr/>
+      <dgm:t>
+        <a:bodyPr/>
+        <a:lstStyle/>
+        <a:p>
+          <a:endParaRPr lang="zh-CN" altLang="en-US"/>
+        </a:p>
+      </dgm:t>
     </dgm:pt>
     <dgm:pt modelId="{67257B93-FAF7-4AF6-8CCF-6C8D9A894C9D}" type="pres">
       <dgm:prSet presAssocID="{73491522-A639-4FF6-906B-19057BFFA86E}" presName="connTx" presStyleLbl="parChTrans1D2" presStyleIdx="2" presStyleCnt="4"/>
       <dgm:spPr/>
+      <dgm:t>
+        <a:bodyPr/>
+        <a:lstStyle/>
+        <a:p>
+          <a:endParaRPr lang="zh-CN" altLang="en-US"/>
+        </a:p>
+      </dgm:t>
     </dgm:pt>
     <dgm:pt modelId="{6566BAA3-8A94-4654-9178-7817DF66A202}" type="pres">
       <dgm:prSet presAssocID="{2BB701F4-967F-4A27-A323-E64DEA3E04CC}" presName="root2" presStyleCnt="0"/>
@@ -1189,6 +1259,13 @@
         </dgm:presLayoutVars>
       </dgm:prSet>
       <dgm:spPr/>
+      <dgm:t>
+        <a:bodyPr/>
+        <a:lstStyle/>
+        <a:p>
+          <a:endParaRPr lang="zh-CN" altLang="en-US"/>
+        </a:p>
+      </dgm:t>
     </dgm:pt>
     <dgm:pt modelId="{48FFAC0C-879A-4FF3-86A1-3B7763C1235F}" type="pres">
       <dgm:prSet presAssocID="{2BB701F4-967F-4A27-A323-E64DEA3E04CC}" presName="level3hierChild" presStyleCnt="0"/>
@@ -1197,10 +1274,24 @@
     <dgm:pt modelId="{9C5C4256-2D8F-418B-AAA5-567F190F65A4}" type="pres">
       <dgm:prSet presAssocID="{789102A9-6EFA-4346-874D-004E61BF4199}" presName="conn2-1" presStyleLbl="parChTrans1D2" presStyleIdx="3" presStyleCnt="4"/>
       <dgm:spPr/>
+      <dgm:t>
+        <a:bodyPr/>
+        <a:lstStyle/>
+        <a:p>
+          <a:endParaRPr lang="zh-CN" altLang="en-US"/>
+        </a:p>
+      </dgm:t>
     </dgm:pt>
     <dgm:pt modelId="{3DACA7BA-B7A5-4C56-8CA9-F2FB6F901DB0}" type="pres">
       <dgm:prSet presAssocID="{789102A9-6EFA-4346-874D-004E61BF4199}" presName="connTx" presStyleLbl="parChTrans1D2" presStyleIdx="3" presStyleCnt="4"/>
       <dgm:spPr/>
+      <dgm:t>
+        <a:bodyPr/>
+        <a:lstStyle/>
+        <a:p>
+          <a:endParaRPr lang="zh-CN" altLang="en-US"/>
+        </a:p>
+      </dgm:t>
     </dgm:pt>
     <dgm:pt modelId="{BB7063C9-692E-4DF4-98E7-BD24BB89F2AA}" type="pres">
       <dgm:prSet presAssocID="{B043A2DA-4D8F-4544-A5E7-A9E9E5232B68}" presName="root2" presStyleCnt="0"/>
@@ -1213,6 +1304,13 @@
         </dgm:presLayoutVars>
       </dgm:prSet>
       <dgm:spPr/>
+      <dgm:t>
+        <a:bodyPr/>
+        <a:lstStyle/>
+        <a:p>
+          <a:endParaRPr lang="zh-CN" altLang="en-US"/>
+        </a:p>
+      </dgm:t>
     </dgm:pt>
     <dgm:pt modelId="{6320843D-5EAC-4C7D-A147-FE2796BD0F28}" type="pres">
       <dgm:prSet presAssocID="{B043A2DA-4D8F-4544-A5E7-A9E9E5232B68}" presName="level3hierChild" presStyleCnt="0"/>
@@ -1220,25 +1318,25 @@
     </dgm:pt>
   </dgm:ptLst>
   <dgm:cxnLst>
-    <dgm:cxn modelId="{D87C6DD8-9801-4415-BE47-02DAA4098819}" type="presOf" srcId="{73491522-A639-4FF6-906B-19057BFFA86E}" destId="{67257B93-FAF7-4AF6-8CCF-6C8D9A894C9D}" srcOrd="1" destOrd="0" presId="urn:microsoft.com/office/officeart/2005/8/layout/hierarchy2"/>
-    <dgm:cxn modelId="{D1E77AD7-450E-48B2-8D67-AF279171E7D9}" srcId="{C15A0151-D92B-47D1-BAF3-640771A0F10D}" destId="{2BB701F4-967F-4A27-A323-E64DEA3E04CC}" srcOrd="2" destOrd="0" parTransId="{73491522-A639-4FF6-906B-19057BFFA86E}" sibTransId="{3F633158-E3AD-4673-AF1E-4511F2AED42C}"/>
-    <dgm:cxn modelId="{3D03D1BA-5857-4419-9458-81C8B174993D}" type="presOf" srcId="{C15A0151-D92B-47D1-BAF3-640771A0F10D}" destId="{10675191-A5ED-476D-A6DD-6FC939B2AA0B}" srcOrd="0" destOrd="0" presId="urn:microsoft.com/office/officeart/2005/8/layout/hierarchy2"/>
+    <dgm:cxn modelId="{141FEE00-CED7-4EEC-8F54-7EB362F559A3}" type="presOf" srcId="{B043A2DA-4D8F-4544-A5E7-A9E9E5232B68}" destId="{490702D0-52FD-4FAC-ACF5-208DAAC3B28A}" srcOrd="0" destOrd="0" presId="urn:microsoft.com/office/officeart/2005/8/layout/hierarchy2"/>
+    <dgm:cxn modelId="{7815B529-A828-4215-9618-215916FCAD90}" srcId="{C15A0151-D92B-47D1-BAF3-640771A0F10D}" destId="{F30C1761-F71D-4774-B2E3-C0CD1F88B5DE}" srcOrd="0" destOrd="0" parTransId="{C772E889-D110-47EA-B330-75F99512FE32}" sibTransId="{E8274766-080D-4382-AE2E-D0F058D5B2C2}"/>
     <dgm:cxn modelId="{159C7F42-C9FA-413E-ABB4-5BF386B612D5}" type="presOf" srcId="{C772E889-D110-47EA-B330-75F99512FE32}" destId="{9F049485-A926-44E8-B70A-A7AE0DBBA044}" srcOrd="1" destOrd="0" presId="urn:microsoft.com/office/officeart/2005/8/layout/hierarchy2"/>
-    <dgm:cxn modelId="{7815B529-A828-4215-9618-215916FCAD90}" srcId="{C15A0151-D92B-47D1-BAF3-640771A0F10D}" destId="{F30C1761-F71D-4774-B2E3-C0CD1F88B5DE}" srcOrd="0" destOrd="0" parTransId="{C772E889-D110-47EA-B330-75F99512FE32}" sibTransId="{E8274766-080D-4382-AE2E-D0F058D5B2C2}"/>
-    <dgm:cxn modelId="{459778A4-BC44-4AE1-8AC4-F62C43C8AE05}" type="presOf" srcId="{075093FD-3D5E-4FF2-BECC-2FD7E8171C30}" destId="{D2B26172-C383-420D-A023-484C462EA5BF}" srcOrd="0" destOrd="0" presId="urn:microsoft.com/office/officeart/2005/8/layout/hierarchy2"/>
-    <dgm:cxn modelId="{F8812546-9C75-4519-8EA5-FBD936439577}" type="presOf" srcId="{F30C1761-F71D-4774-B2E3-C0CD1F88B5DE}" destId="{4BC9AD53-C76B-4714-89F8-61252043BEDF}" srcOrd="0" destOrd="0" presId="urn:microsoft.com/office/officeart/2005/8/layout/hierarchy2"/>
-    <dgm:cxn modelId="{CE9C57EA-F3FF-4F68-B266-C79E03D4FB73}" srcId="{075093FD-3D5E-4FF2-BECC-2FD7E8171C30}" destId="{C15A0151-D92B-47D1-BAF3-640771A0F10D}" srcOrd="0" destOrd="0" parTransId="{079C0C7C-973B-4BE7-929A-6355714484CC}" sibTransId="{FC87FDF4-CC97-44A2-8D9A-C0A54E0DC82D}"/>
-    <dgm:cxn modelId="{3CF16705-C895-4465-B48B-6251A730D328}" type="presOf" srcId="{1A9D1046-CDF3-4F8C-BBA2-967411C62B28}" destId="{04417AB5-2670-4264-983C-8D9634D9DD1D}" srcOrd="1" destOrd="0" presId="urn:microsoft.com/office/officeart/2005/8/layout/hierarchy2"/>
-    <dgm:cxn modelId="{141FEE00-CED7-4EEC-8F54-7EB362F559A3}" type="presOf" srcId="{B043A2DA-4D8F-4544-A5E7-A9E9E5232B68}" destId="{490702D0-52FD-4FAC-ACF5-208DAAC3B28A}" srcOrd="0" destOrd="0" presId="urn:microsoft.com/office/officeart/2005/8/layout/hierarchy2"/>
     <dgm:cxn modelId="{F565469E-2F5A-405F-ACC6-58FF20401F46}" type="presOf" srcId="{B2397E1D-B6B4-4189-A8CD-A3DE7A366039}" destId="{8C0A6FFC-7B9A-418B-A1BD-953D837B4EC4}" srcOrd="0" destOrd="0" presId="urn:microsoft.com/office/officeart/2005/8/layout/hierarchy2"/>
     <dgm:cxn modelId="{5F341E41-74A6-4F18-A016-3D24B6F1CC60}" type="presOf" srcId="{2BB701F4-967F-4A27-A323-E64DEA3E04CC}" destId="{D1FDECF0-6C3D-48DE-94BA-0BD23654C27E}" srcOrd="0" destOrd="0" presId="urn:microsoft.com/office/officeart/2005/8/layout/hierarchy2"/>
+    <dgm:cxn modelId="{D87C6DD8-9801-4415-BE47-02DAA4098819}" type="presOf" srcId="{73491522-A639-4FF6-906B-19057BFFA86E}" destId="{67257B93-FAF7-4AF6-8CCF-6C8D9A894C9D}" srcOrd="1" destOrd="0" presId="urn:microsoft.com/office/officeart/2005/8/layout/hierarchy2"/>
+    <dgm:cxn modelId="{0C02A150-00AC-405A-9A2E-F6D25D1B19CC}" type="presOf" srcId="{789102A9-6EFA-4346-874D-004E61BF4199}" destId="{9C5C4256-2D8F-418B-AAA5-567F190F65A4}" srcOrd="0" destOrd="0" presId="urn:microsoft.com/office/officeart/2005/8/layout/hierarchy2"/>
+    <dgm:cxn modelId="{B6789F68-A0DB-46DC-9382-9053CF8EC327}" srcId="{C15A0151-D92B-47D1-BAF3-640771A0F10D}" destId="{B043A2DA-4D8F-4544-A5E7-A9E9E5232B68}" srcOrd="3" destOrd="0" parTransId="{789102A9-6EFA-4346-874D-004E61BF4199}" sibTransId="{AD75525F-FAED-475D-9327-83EF42C7F6BD}"/>
+    <dgm:cxn modelId="{2FA3697B-81A9-4F36-ADD3-4BEED900D170}" srcId="{C15A0151-D92B-47D1-BAF3-640771A0F10D}" destId="{B2397E1D-B6B4-4189-A8CD-A3DE7A366039}" srcOrd="1" destOrd="0" parTransId="{1A9D1046-CDF3-4F8C-BBA2-967411C62B28}" sibTransId="{76C3EA80-C3D1-49E2-84F6-5FD23B9E7461}"/>
+    <dgm:cxn modelId="{4050D09A-8A40-4B32-8B1F-98674EEDB68A}" type="presOf" srcId="{C772E889-D110-47EA-B330-75F99512FE32}" destId="{328FB200-3A31-440A-A273-0AC131C99077}" srcOrd="0" destOrd="0" presId="urn:microsoft.com/office/officeart/2005/8/layout/hierarchy2"/>
+    <dgm:cxn modelId="{459778A4-BC44-4AE1-8AC4-F62C43C8AE05}" type="presOf" srcId="{075093FD-3D5E-4FF2-BECC-2FD7E8171C30}" destId="{D2B26172-C383-420D-A023-484C462EA5BF}" srcOrd="0" destOrd="0" presId="urn:microsoft.com/office/officeart/2005/8/layout/hierarchy2"/>
+    <dgm:cxn modelId="{3D03D1BA-5857-4419-9458-81C8B174993D}" type="presOf" srcId="{C15A0151-D92B-47D1-BAF3-640771A0F10D}" destId="{10675191-A5ED-476D-A6DD-6FC939B2AA0B}" srcOrd="0" destOrd="0" presId="urn:microsoft.com/office/officeart/2005/8/layout/hierarchy2"/>
+    <dgm:cxn modelId="{3CF16705-C895-4465-B48B-6251A730D328}" type="presOf" srcId="{1A9D1046-CDF3-4F8C-BBA2-967411C62B28}" destId="{04417AB5-2670-4264-983C-8D9634D9DD1D}" srcOrd="1" destOrd="0" presId="urn:microsoft.com/office/officeart/2005/8/layout/hierarchy2"/>
+    <dgm:cxn modelId="{CE9C57EA-F3FF-4F68-B266-C79E03D4FB73}" srcId="{075093FD-3D5E-4FF2-BECC-2FD7E8171C30}" destId="{C15A0151-D92B-47D1-BAF3-640771A0F10D}" srcOrd="0" destOrd="0" parTransId="{079C0C7C-973B-4BE7-929A-6355714484CC}" sibTransId="{FC87FDF4-CC97-44A2-8D9A-C0A54E0DC82D}"/>
     <dgm:cxn modelId="{65622A8E-A2DC-4CB9-9EA8-90EE2F4360CC}" type="presOf" srcId="{73491522-A639-4FF6-906B-19057BFFA86E}" destId="{42510486-ABB1-43E6-BDBE-8A2CD7F6A33F}" srcOrd="0" destOrd="0" presId="urn:microsoft.com/office/officeart/2005/8/layout/hierarchy2"/>
-    <dgm:cxn modelId="{0C02A150-00AC-405A-9A2E-F6D25D1B19CC}" type="presOf" srcId="{789102A9-6EFA-4346-874D-004E61BF4199}" destId="{9C5C4256-2D8F-418B-AAA5-567F190F65A4}" srcOrd="0" destOrd="0" presId="urn:microsoft.com/office/officeart/2005/8/layout/hierarchy2"/>
+    <dgm:cxn modelId="{F8812546-9C75-4519-8EA5-FBD936439577}" type="presOf" srcId="{F30C1761-F71D-4774-B2E3-C0CD1F88B5DE}" destId="{4BC9AD53-C76B-4714-89F8-61252043BEDF}" srcOrd="0" destOrd="0" presId="urn:microsoft.com/office/officeart/2005/8/layout/hierarchy2"/>
     <dgm:cxn modelId="{5E5178BA-37B7-481E-A8F1-9608CAA56B94}" type="presOf" srcId="{1A9D1046-CDF3-4F8C-BBA2-967411C62B28}" destId="{71F2D20D-CFC0-4C68-B706-18E2128D8BEE}" srcOrd="0" destOrd="0" presId="urn:microsoft.com/office/officeart/2005/8/layout/hierarchy2"/>
-    <dgm:cxn modelId="{4050D09A-8A40-4B32-8B1F-98674EEDB68A}" type="presOf" srcId="{C772E889-D110-47EA-B330-75F99512FE32}" destId="{328FB200-3A31-440A-A273-0AC131C99077}" srcOrd="0" destOrd="0" presId="urn:microsoft.com/office/officeart/2005/8/layout/hierarchy2"/>
-    <dgm:cxn modelId="{2FA3697B-81A9-4F36-ADD3-4BEED900D170}" srcId="{C15A0151-D92B-47D1-BAF3-640771A0F10D}" destId="{B2397E1D-B6B4-4189-A8CD-A3DE7A366039}" srcOrd="1" destOrd="0" parTransId="{1A9D1046-CDF3-4F8C-BBA2-967411C62B28}" sibTransId="{76C3EA80-C3D1-49E2-84F6-5FD23B9E7461}"/>
     <dgm:cxn modelId="{D2928ED4-AE91-4635-8ED1-F621A3A6A105}" type="presOf" srcId="{789102A9-6EFA-4346-874D-004E61BF4199}" destId="{3DACA7BA-B7A5-4C56-8CA9-F2FB6F901DB0}" srcOrd="1" destOrd="0" presId="urn:microsoft.com/office/officeart/2005/8/layout/hierarchy2"/>
-    <dgm:cxn modelId="{B6789F68-A0DB-46DC-9382-9053CF8EC327}" srcId="{C15A0151-D92B-47D1-BAF3-640771A0F10D}" destId="{B043A2DA-4D8F-4544-A5E7-A9E9E5232B68}" srcOrd="3" destOrd="0" parTransId="{789102A9-6EFA-4346-874D-004E61BF4199}" sibTransId="{AD75525F-FAED-475D-9327-83EF42C7F6BD}"/>
+    <dgm:cxn modelId="{D1E77AD7-450E-48B2-8D67-AF279171E7D9}" srcId="{C15A0151-D92B-47D1-BAF3-640771A0F10D}" destId="{2BB701F4-967F-4A27-A323-E64DEA3E04CC}" srcOrd="2" destOrd="0" parTransId="{73491522-A639-4FF6-906B-19057BFFA86E}" sibTransId="{3F633158-E3AD-4673-AF1E-4511F2AED42C}"/>
     <dgm:cxn modelId="{B094FDFC-94D2-400D-B19E-29F08BC52AE0}" type="presParOf" srcId="{D2B26172-C383-420D-A023-484C462EA5BF}" destId="{B28629D7-067B-4621-90D9-EB34072D39F2}" srcOrd="0" destOrd="0" presId="urn:microsoft.com/office/officeart/2005/8/layout/hierarchy2"/>
     <dgm:cxn modelId="{C8B69A96-1489-49A7-8508-90CDA15FB704}" type="presParOf" srcId="{B28629D7-067B-4621-90D9-EB34072D39F2}" destId="{10675191-A5ED-476D-A6DD-6FC939B2AA0B}" srcOrd="0" destOrd="0" presId="urn:microsoft.com/office/officeart/2005/8/layout/hierarchy2"/>
     <dgm:cxn modelId="{A35D8C6D-5D9F-4A9F-8B9E-44115541917B}" type="presParOf" srcId="{B28629D7-067B-4621-90D9-EB34072D39F2}" destId="{FA94F1FF-E1B0-4954-80BA-CD5A793E488A}" srcOrd="1" destOrd="0" presId="urn:microsoft.com/office/officeart/2005/8/layout/hierarchy2"/>
@@ -3512,7 +3610,7 @@
           <a:p>
             <a:fld id="{8841959C-2CC0-46BC-AA2C-FE3B43BEBC2A}" type="datetimeFigureOut">
               <a:rPr lang="zh-CN" altLang="en-US" smtClean="0"/>
-              <a:t>2018/12/17</a:t>
+              <a:t>2018/12/18</a:t>
             </a:fld>
             <a:endParaRPr lang="zh-CN" altLang="en-US"/>
           </a:p>
@@ -3683,7 +3781,7 @@
           <a:p>
             <a:fld id="{8841959C-2CC0-46BC-AA2C-FE3B43BEBC2A}" type="datetimeFigureOut">
               <a:rPr lang="zh-CN" altLang="en-US" smtClean="0"/>
-              <a:t>2018/12/17</a:t>
+              <a:t>2018/12/18</a:t>
             </a:fld>
             <a:endParaRPr lang="zh-CN" altLang="en-US"/>
           </a:p>
@@ -3864,7 +3962,7 @@
           <a:p>
             <a:fld id="{8841959C-2CC0-46BC-AA2C-FE3B43BEBC2A}" type="datetimeFigureOut">
               <a:rPr lang="zh-CN" altLang="en-US" smtClean="0"/>
-              <a:t>2018/12/17</a:t>
+              <a:t>2018/12/18</a:t>
             </a:fld>
             <a:endParaRPr lang="zh-CN" altLang="en-US"/>
           </a:p>
@@ -4035,7 +4133,7 @@
           <a:p>
             <a:fld id="{8841959C-2CC0-46BC-AA2C-FE3B43BEBC2A}" type="datetimeFigureOut">
               <a:rPr lang="zh-CN" altLang="en-US" smtClean="0"/>
-              <a:t>2018/12/17</a:t>
+              <a:t>2018/12/18</a:t>
             </a:fld>
             <a:endParaRPr lang="zh-CN" altLang="en-US"/>
           </a:p>
@@ -4283,7 +4381,7 @@
           <a:p>
             <a:fld id="{8841959C-2CC0-46BC-AA2C-FE3B43BEBC2A}" type="datetimeFigureOut">
               <a:rPr lang="zh-CN" altLang="en-US" smtClean="0"/>
-              <a:t>2018/12/17</a:t>
+              <a:t>2018/12/18</a:t>
             </a:fld>
             <a:endParaRPr lang="zh-CN" altLang="en-US"/>
           </a:p>
@@ -4515,7 +4613,7 @@
           <a:p>
             <a:fld id="{8841959C-2CC0-46BC-AA2C-FE3B43BEBC2A}" type="datetimeFigureOut">
               <a:rPr lang="zh-CN" altLang="en-US" smtClean="0"/>
-              <a:t>2018/12/17</a:t>
+              <a:t>2018/12/18</a:t>
             </a:fld>
             <a:endParaRPr lang="zh-CN" altLang="en-US"/>
           </a:p>
@@ -4882,7 +4980,7 @@
           <a:p>
             <a:fld id="{8841959C-2CC0-46BC-AA2C-FE3B43BEBC2A}" type="datetimeFigureOut">
               <a:rPr lang="zh-CN" altLang="en-US" smtClean="0"/>
-              <a:t>2018/12/17</a:t>
+              <a:t>2018/12/18</a:t>
             </a:fld>
             <a:endParaRPr lang="zh-CN" altLang="en-US"/>
           </a:p>
@@ -5002,7 +5100,7 @@
           <a:p>
             <a:fld id="{8841959C-2CC0-46BC-AA2C-FE3B43BEBC2A}" type="datetimeFigureOut">
               <a:rPr lang="zh-CN" altLang="en-US" smtClean="0"/>
-              <a:t>2018/12/17</a:t>
+              <a:t>2018/12/18</a:t>
             </a:fld>
             <a:endParaRPr lang="zh-CN" altLang="en-US"/>
           </a:p>
@@ -5100,7 +5198,7 @@
           <a:p>
             <a:fld id="{8841959C-2CC0-46BC-AA2C-FE3B43BEBC2A}" type="datetimeFigureOut">
               <a:rPr lang="zh-CN" altLang="en-US" smtClean="0"/>
-              <a:t>2018/12/17</a:t>
+              <a:t>2018/12/18</a:t>
             </a:fld>
             <a:endParaRPr lang="zh-CN" altLang="en-US"/>
           </a:p>
@@ -5378,7 +5476,7 @@
           <a:p>
             <a:fld id="{8841959C-2CC0-46BC-AA2C-FE3B43BEBC2A}" type="datetimeFigureOut">
               <a:rPr lang="zh-CN" altLang="en-US" smtClean="0"/>
-              <a:t>2018/12/17</a:t>
+              <a:t>2018/12/18</a:t>
             </a:fld>
             <a:endParaRPr lang="zh-CN" altLang="en-US"/>
           </a:p>
@@ -5633,7 +5731,7 @@
           <a:p>
             <a:fld id="{8841959C-2CC0-46BC-AA2C-FE3B43BEBC2A}" type="datetimeFigureOut">
               <a:rPr lang="zh-CN" altLang="en-US" smtClean="0"/>
-              <a:t>2018/12/17</a:t>
+              <a:t>2018/12/18</a:t>
             </a:fld>
             <a:endParaRPr lang="zh-CN" altLang="en-US"/>
           </a:p>
@@ -5850,7 +5948,7 @@
           <a:p>
             <a:fld id="{8841959C-2CC0-46BC-AA2C-FE3B43BEBC2A}" type="datetimeFigureOut">
               <a:rPr lang="zh-CN" altLang="en-US" smtClean="0"/>
-              <a:t>2018/12/17</a:t>
+              <a:t>2018/12/18</a:t>
             </a:fld>
             <a:endParaRPr lang="zh-CN" altLang="en-US"/>
           </a:p>
@@ -6426,27 +6524,7 @@
                 <a:latin typeface="微软雅黑" panose="020B0503020204020204" pitchFamily="34" charset="-122"/>
                 <a:ea typeface="微软雅黑" panose="020B0503020204020204" pitchFamily="34" charset="-122"/>
               </a:rPr>
-              <a:t>操作系统</a:t>
-            </a:r>
-            <a:r>
-              <a:rPr lang="zh-CN" altLang="en-US" sz="2400" dirty="0" smtClean="0">
-                <a:solidFill>
-                  <a:schemeClr val="bg1"/>
-                </a:solidFill>
-                <a:latin typeface="微软雅黑" panose="020B0503020204020204" pitchFamily="34" charset="-122"/>
-                <a:ea typeface="微软雅黑" panose="020B0503020204020204" pitchFamily="34" charset="-122"/>
-              </a:rPr>
-              <a:t>课程</a:t>
-            </a:r>
-            <a:r>
-              <a:rPr lang="zh-CN" altLang="en-US" sz="2400" dirty="0" smtClean="0">
-                <a:solidFill>
-                  <a:schemeClr val="bg1"/>
-                </a:solidFill>
-                <a:latin typeface="微软雅黑" panose="020B0503020204020204" pitchFamily="34" charset="-122"/>
-                <a:ea typeface="微软雅黑" panose="020B0503020204020204" pitchFamily="34" charset="-122"/>
-              </a:rPr>
-              <a:t>设计</a:t>
+              <a:t>操作系统课程设计</a:t>
             </a:r>
             <a:endParaRPr lang="en-US" altLang="zh-CN" sz="2400" dirty="0" smtClean="0">
               <a:solidFill>
@@ -6517,92 +6595,6 @@
               </a:rPr>
               <a:t>系统</a:t>
             </a:r>
-            <a:endParaRPr lang="zh-CN" altLang="en-US" sz="2400" dirty="0">
-              <a:solidFill>
-                <a:schemeClr val="bg1"/>
-              </a:solidFill>
-              <a:latin typeface="微软雅黑" panose="020B0503020204020204" pitchFamily="34" charset="-122"/>
-              <a:ea typeface="微软雅黑" panose="020B0503020204020204" pitchFamily="34" charset="-122"/>
-            </a:endParaRPr>
-          </a:p>
-        </p:txBody>
-      </p:sp>
-      <p:cxnSp>
-        <p:nvCxnSpPr>
-          <p:cNvPr id="14" name="直接连接符 13"/>
-          <p:cNvCxnSpPr>
-            <a:cxnSpLocks/>
-          </p:cNvCxnSpPr>
-          <p:nvPr/>
-        </p:nvCxnSpPr>
-        <p:spPr>
-          <a:xfrm>
-            <a:off x="5385955" y="3684405"/>
-            <a:ext cx="5191991" cy="0"/>
-          </a:xfrm>
-          <a:prstGeom prst="line">
-            <a:avLst/>
-          </a:prstGeom>
-          <a:ln>
-            <a:solidFill>
-              <a:schemeClr val="bg1"/>
-            </a:solidFill>
-          </a:ln>
-        </p:spPr>
-        <p:style>
-          <a:lnRef idx="1">
-            <a:schemeClr val="accent1"/>
-          </a:lnRef>
-          <a:fillRef idx="0">
-            <a:schemeClr val="accent1"/>
-          </a:fillRef>
-          <a:effectRef idx="0">
-            <a:schemeClr val="accent1"/>
-          </a:effectRef>
-          <a:fontRef idx="minor">
-            <a:schemeClr val="tx1"/>
-          </a:fontRef>
-        </p:style>
-      </p:cxnSp>
-      <p:sp>
-        <p:nvSpPr>
-          <p:cNvPr id="17" name="文本框 16"/>
-          <p:cNvSpPr txBox="1"/>
-          <p:nvPr/>
-        </p:nvSpPr>
-        <p:spPr>
-          <a:xfrm>
-            <a:off x="8642838" y="3919934"/>
-            <a:ext cx="2435469" cy="769441"/>
-          </a:xfrm>
-          <a:prstGeom prst="rect">
-            <a:avLst/>
-          </a:prstGeom>
-          <a:noFill/>
-        </p:spPr>
-        <p:txBody>
-          <a:bodyPr wrap="square" rtlCol="0">
-            <a:spAutoFit/>
-          </a:bodyPr>
-          <a:lstStyle/>
-          <a:p>
-            <a:r>
-              <a:rPr lang="zh-CN" altLang="en-US" sz="4400" dirty="0" smtClean="0">
-                <a:solidFill>
-                  <a:schemeClr val="bg1"/>
-                </a:solidFill>
-                <a:latin typeface="微软雅黑 Light" panose="020B0502040204020203" pitchFamily="34" charset="-122"/>
-                <a:ea typeface="微软雅黑 Light" panose="020B0502040204020203" pitchFamily="34" charset="-122"/>
-              </a:rPr>
-              <a:t>陈泽锋</a:t>
-            </a:r>
-            <a:endParaRPr lang="en-US" altLang="zh-CN" sz="4400" dirty="0" smtClean="0">
-              <a:solidFill>
-                <a:schemeClr val="bg1"/>
-              </a:solidFill>
-              <a:latin typeface="微软雅黑 Light" panose="020B0502040204020203" pitchFamily="34" charset="-122"/>
-              <a:ea typeface="微软雅黑 Light" panose="020B0502040204020203" pitchFamily="34" charset="-122"/>
-            </a:endParaRPr>
           </a:p>
         </p:txBody>
       </p:sp>
@@ -8436,17 +8428,7 @@
                 <a:latin typeface="微软雅黑" panose="020B0503020204020204" pitchFamily="34" charset="-122"/>
                 <a:ea typeface="微软雅黑" panose="020B0503020204020204" pitchFamily="34" charset="-122"/>
               </a:rPr>
-              <a:t>用户来</a:t>
-            </a:r>
-            <a:r>
-              <a:rPr lang="zh-CN" altLang="en-US" sz="2800" dirty="0" smtClean="0">
-                <a:solidFill>
-                  <a:schemeClr val="bg1"/>
-                </a:solidFill>
-                <a:latin typeface="微软雅黑" panose="020B0503020204020204" pitchFamily="34" charset="-122"/>
-                <a:ea typeface="微软雅黑" panose="020B0503020204020204" pitchFamily="34" charset="-122"/>
-              </a:rPr>
-              <a:t>编译软件</a:t>
+              <a:t>用户来编译软件</a:t>
             </a:r>
             <a:endParaRPr lang="zh-CN" altLang="en-US" sz="2800" dirty="0">
               <a:solidFill>
@@ -9007,13 +8989,6 @@
               </a:rPr>
               <a:t>基础工具</a:t>
             </a:r>
-            <a:endParaRPr lang="zh-CN" altLang="en-US" sz="2800" dirty="0">
-              <a:solidFill>
-                <a:schemeClr val="bg1"/>
-              </a:solidFill>
-              <a:latin typeface="微软雅黑" panose="020B0503020204020204" pitchFamily="34" charset="-122"/>
-              <a:ea typeface="微软雅黑" panose="020B0503020204020204" pitchFamily="34" charset="-122"/>
-            </a:endParaRPr>
           </a:p>
         </p:txBody>
       </p:sp>
